--- a/5팀_1차_결과발표자료.pptx
+++ b/5팀_1차_결과발표자료.pptx
@@ -273,7 +273,7 @@
           <a:p>
             <a:fld id="{B345DE7F-F699-4113-B9F9-0A1B7EE5E526}" type="datetimeFigureOut">
               <a:rPr lang="ko-KR" altLang="en-US" smtClean="0"/>
-              <a:t>2024-07-18</a:t>
+              <a:t>2024-07-21</a:t>
             </a:fld>
             <a:endParaRPr lang="ko-KR" altLang="en-US"/>
           </a:p>
@@ -471,7 +471,7 @@
           <a:p>
             <a:fld id="{B345DE7F-F699-4113-B9F9-0A1B7EE5E526}" type="datetimeFigureOut">
               <a:rPr lang="ko-KR" altLang="en-US" smtClean="0"/>
-              <a:t>2024-07-18</a:t>
+              <a:t>2024-07-21</a:t>
             </a:fld>
             <a:endParaRPr lang="ko-KR" altLang="en-US"/>
           </a:p>
@@ -679,7 +679,7 @@
           <a:p>
             <a:fld id="{B345DE7F-F699-4113-B9F9-0A1B7EE5E526}" type="datetimeFigureOut">
               <a:rPr lang="ko-KR" altLang="en-US" smtClean="0"/>
-              <a:t>2024-07-18</a:t>
+              <a:t>2024-07-21</a:t>
             </a:fld>
             <a:endParaRPr lang="ko-KR" altLang="en-US"/>
           </a:p>
@@ -877,7 +877,7 @@
           <a:p>
             <a:fld id="{B345DE7F-F699-4113-B9F9-0A1B7EE5E526}" type="datetimeFigureOut">
               <a:rPr lang="ko-KR" altLang="en-US" smtClean="0"/>
-              <a:t>2024-07-18</a:t>
+              <a:t>2024-07-21</a:t>
             </a:fld>
             <a:endParaRPr lang="ko-KR" altLang="en-US"/>
           </a:p>
@@ -1152,7 +1152,7 @@
           <a:p>
             <a:fld id="{B345DE7F-F699-4113-B9F9-0A1B7EE5E526}" type="datetimeFigureOut">
               <a:rPr lang="ko-KR" altLang="en-US" smtClean="0"/>
-              <a:t>2024-07-18</a:t>
+              <a:t>2024-07-21</a:t>
             </a:fld>
             <a:endParaRPr lang="ko-KR" altLang="en-US"/>
           </a:p>
@@ -1417,7 +1417,7 @@
           <a:p>
             <a:fld id="{B345DE7F-F699-4113-B9F9-0A1B7EE5E526}" type="datetimeFigureOut">
               <a:rPr lang="ko-KR" altLang="en-US" smtClean="0"/>
-              <a:t>2024-07-18</a:t>
+              <a:t>2024-07-21</a:t>
             </a:fld>
             <a:endParaRPr lang="ko-KR" altLang="en-US"/>
           </a:p>
@@ -1829,7 +1829,7 @@
           <a:p>
             <a:fld id="{B345DE7F-F699-4113-B9F9-0A1B7EE5E526}" type="datetimeFigureOut">
               <a:rPr lang="ko-KR" altLang="en-US" smtClean="0"/>
-              <a:t>2024-07-18</a:t>
+              <a:t>2024-07-21</a:t>
             </a:fld>
             <a:endParaRPr lang="ko-KR" altLang="en-US"/>
           </a:p>
@@ -1970,7 +1970,7 @@
           <a:p>
             <a:fld id="{B345DE7F-F699-4113-B9F9-0A1B7EE5E526}" type="datetimeFigureOut">
               <a:rPr lang="ko-KR" altLang="en-US" smtClean="0"/>
-              <a:t>2024-07-18</a:t>
+              <a:t>2024-07-21</a:t>
             </a:fld>
             <a:endParaRPr lang="ko-KR" altLang="en-US"/>
           </a:p>
@@ -2083,7 +2083,7 @@
           <a:p>
             <a:fld id="{B345DE7F-F699-4113-B9F9-0A1B7EE5E526}" type="datetimeFigureOut">
               <a:rPr lang="ko-KR" altLang="en-US" smtClean="0"/>
-              <a:t>2024-07-18</a:t>
+              <a:t>2024-07-21</a:t>
             </a:fld>
             <a:endParaRPr lang="ko-KR" altLang="en-US"/>
           </a:p>
@@ -2394,7 +2394,7 @@
           <a:p>
             <a:fld id="{B345DE7F-F699-4113-B9F9-0A1B7EE5E526}" type="datetimeFigureOut">
               <a:rPr lang="ko-KR" altLang="en-US" smtClean="0"/>
-              <a:t>2024-07-18</a:t>
+              <a:t>2024-07-21</a:t>
             </a:fld>
             <a:endParaRPr lang="ko-KR" altLang="en-US"/>
           </a:p>
@@ -2682,7 +2682,7 @@
           <a:p>
             <a:fld id="{B345DE7F-F699-4113-B9F9-0A1B7EE5E526}" type="datetimeFigureOut">
               <a:rPr lang="ko-KR" altLang="en-US" smtClean="0"/>
-              <a:t>2024-07-18</a:t>
+              <a:t>2024-07-21</a:t>
             </a:fld>
             <a:endParaRPr lang="ko-KR" altLang="en-US"/>
           </a:p>
@@ -2923,7 +2923,7 @@
           <a:p>
             <a:fld id="{B345DE7F-F699-4113-B9F9-0A1B7EE5E526}" type="datetimeFigureOut">
               <a:rPr lang="ko-KR" altLang="en-US" smtClean="0"/>
-              <a:t>2024-07-18</a:t>
+              <a:t>2024-07-21</a:t>
             </a:fld>
             <a:endParaRPr lang="ko-KR" altLang="en-US"/>
           </a:p>
@@ -7590,10 +7590,10 @@
       </p:sp>
       <p:pic>
         <p:nvPicPr>
-          <p:cNvPr id="7" name="그림 6" descr="텍스트, 도표, 기술 도면, 평면도이(가) 표시된 사진&#10;&#10;자동 생성된 설명">
-            <a:extLst>
-              <a:ext uri="{FF2B5EF4-FFF2-40B4-BE49-F238E27FC236}">
-                <a16:creationId xmlns:a16="http://schemas.microsoft.com/office/drawing/2014/main" id="{B0EDBA03-FE55-3FF0-42BD-2AFF8486CC25}"/>
+          <p:cNvPr id="9" name="그림 8" descr="도표, 텍스트, 기술 도면, 평면도이(가) 표시된 사진&#10;&#10;자동 생성된 설명">
+            <a:extLst>
+              <a:ext uri="{FF2B5EF4-FFF2-40B4-BE49-F238E27FC236}">
+                <a16:creationId xmlns:a16="http://schemas.microsoft.com/office/drawing/2014/main" id="{2A8A041E-DBF5-1213-BF93-B54AC7662FE6}"/>
               </a:ext>
             </a:extLst>
           </p:cNvPr>
@@ -7616,8 +7616,8 @@
         </p:blipFill>
         <p:spPr>
           <a:xfrm>
-            <a:off x="68094" y="87550"/>
-            <a:ext cx="12123906" cy="6636948"/>
+            <a:off x="0" y="190500"/>
+            <a:ext cx="12192000" cy="6599406"/>
           </a:xfrm>
           <a:prstGeom prst="rect">
             <a:avLst/>
@@ -7655,7 +7655,7 @@
                             </p:stCondLst>
                             <p:childTnLst>
                               <p:par>
-                                <p:cTn id="5" presetID="10" presetClass="entr" presetSubtype="0" fill="hold" nodeType="clickEffect">
+                                <p:cTn id="5" presetID="2" presetClass="entr" presetSubtype="4" fill="hold" nodeType="clickEffect">
                                   <p:stCondLst>
                                     <p:cond delay="0"/>
                                   </p:stCondLst>
@@ -7668,7 +7668,7 @@
                                           </p:stCondLst>
                                         </p:cTn>
                                         <p:tgtEl>
-                                          <p:spTgt spid="7"/>
+                                          <p:spTgt spid="9"/>
                                         </p:tgtEl>
                                         <p:attrNameLst>
                                           <p:attrName>style.visibility</p:attrName>
@@ -7678,14 +7678,52 @@
                                         <p:strVal val="visible"/>
                                       </p:to>
                                     </p:set>
-                                    <p:animEffect transition="in" filter="fade">
-                                      <p:cBhvr>
-                                        <p:cTn id="7" dur="500"/>
+                                    <p:anim calcmode="lin" valueType="num">
+                                      <p:cBhvr additive="base">
+                                        <p:cTn id="7" dur="500" fill="hold"/>
                                         <p:tgtEl>
-                                          <p:spTgt spid="7"/>
+                                          <p:spTgt spid="9"/>
                                         </p:tgtEl>
+                                        <p:attrNameLst>
+                                          <p:attrName>ppt_x</p:attrName>
+                                        </p:attrNameLst>
                                       </p:cBhvr>
-                                    </p:animEffect>
+                                      <p:tavLst>
+                                        <p:tav tm="0">
+                                          <p:val>
+                                            <p:strVal val="#ppt_x"/>
+                                          </p:val>
+                                        </p:tav>
+                                        <p:tav tm="100000">
+                                          <p:val>
+                                            <p:strVal val="#ppt_x"/>
+                                          </p:val>
+                                        </p:tav>
+                                      </p:tavLst>
+                                    </p:anim>
+                                    <p:anim calcmode="lin" valueType="num">
+                                      <p:cBhvr additive="base">
+                                        <p:cTn id="8" dur="500" fill="hold"/>
+                                        <p:tgtEl>
+                                          <p:spTgt spid="9"/>
+                                        </p:tgtEl>
+                                        <p:attrNameLst>
+                                          <p:attrName>ppt_y</p:attrName>
+                                        </p:attrNameLst>
+                                      </p:cBhvr>
+                                      <p:tavLst>
+                                        <p:tav tm="0">
+                                          <p:val>
+                                            <p:strVal val="1+#ppt_h/2"/>
+                                          </p:val>
+                                        </p:tav>
+                                        <p:tav tm="100000">
+                                          <p:val>
+                                            <p:strVal val="#ppt_y"/>
+                                          </p:val>
+                                        </p:tav>
+                                      </p:tavLst>
+                                    </p:anim>
                                   </p:childTnLst>
                                 </p:cTn>
                               </p:par>
